--- a/presentations/CantDanceTheLambda/docs/Can_t_Dance_the_Lambda.pptx
+++ b/presentations/CantDanceTheLambda/docs/Can_t_Dance_the_Lambda.pptx
@@ -21738,14 +21738,14 @@
       </p:pic>
       <p:pic>
         <p:nvPicPr>
-          <p:cNvPr id="17423" name="Picture 15" descr="file:///C:/Temp/delegatemethods.png"/>
+          <p:cNvPr id="1026" name="Picture 2"/>
           <p:cNvPicPr>
             <a:picLocks noChangeAspect="1" noChangeArrowheads="1"/>
           </p:cNvPicPr>
           <p:nvPr/>
         </p:nvPicPr>
         <p:blipFill>
-          <a:blip r:link="rId5" cstate="print"/>
+          <a:blip r:embed="rId5" cstate="print"/>
           <a:srcRect/>
           <a:stretch>
             <a:fillRect/>
@@ -21753,22 +21753,20 @@
         </p:blipFill>
         <p:spPr bwMode="auto">
           <a:xfrm>
-            <a:off x="6827838" y="722313"/>
-            <a:ext cx="1438275" cy="2200275"/>
+            <a:off x="7289006" y="1143794"/>
+            <a:ext cx="1628775" cy="1819275"/>
           </a:xfrm>
           <a:prstGeom prst="rect">
             <a:avLst/>
           </a:prstGeom>
-          <a:noFill/>
-          <a:ln w="9525">
+          <a:ln>
             <a:noFill/>
-            <a:round/>
-            <a:headEnd/>
-            <a:tailEnd/>
           </a:ln>
           <a:effectLst>
-            <a:outerShdw dist="155281" dir="2700000" algn="ctr" rotWithShape="0">
-              <a:srgbClr val="808080"/>
+            <a:outerShdw blurRad="190500" algn="tl" rotWithShape="0">
+              <a:srgbClr val="000000">
+                <a:alpha val="70000"/>
+              </a:srgbClr>
             </a:outerShdw>
           </a:effectLst>
         </p:spPr>
@@ -21828,41 +21826,6 @@
                                   </p:childTnLst>
                                 </p:cTn>
                               </p:par>
-                              <p:par>
-                                <p:cTn id="7" presetID="14" presetClass="entr" presetSubtype="10" fill="hold" nodeType="withEffect">
-                                  <p:stCondLst>
-                                    <p:cond delay="0"/>
-                                  </p:stCondLst>
-                                  <p:childTnLst>
-                                    <p:set>
-                                      <p:cBhvr additive="repl">
-                                        <p:cTn id="8" dur="1" fill="hold">
-                                          <p:stCondLst>
-                                            <p:cond delay="0"/>
-                                          </p:stCondLst>
-                                        </p:cTn>
-                                        <p:tgtEl>
-                                          <p:spTgt spid="17423"/>
-                                        </p:tgtEl>
-                                        <p:attrNameLst>
-                                          <p:attrName>style.visibility</p:attrName>
-                                        </p:attrNameLst>
-                                      </p:cBhvr>
-                                      <p:to>
-                                        <p:strVal val="visible"/>
-                                      </p:to>
-                                    </p:set>
-                                    <p:animEffect transition="in" filter="randombar(horizontal)">
-                                      <p:cBhvr additive="repl">
-                                        <p:cTn id="9" dur="500"/>
-                                        <p:tgtEl>
-                                          <p:spTgt spid="17423"/>
-                                        </p:tgtEl>
-                                      </p:cBhvr>
-                                    </p:animEffect>
-                                  </p:childTnLst>
-                                </p:cTn>
-                              </p:par>
                             </p:childTnLst>
                           </p:cTn>
                         </p:par>
@@ -21870,26 +21833,26 @@
                     </p:cTn>
                   </p:par>
                   <p:par>
-                    <p:cTn id="10" fill="hold">
+                    <p:cTn id="7" fill="hold">
                       <p:stCondLst>
                         <p:cond delay="indefinite"/>
                       </p:stCondLst>
                       <p:childTnLst>
                         <p:par>
-                          <p:cTn id="11" fill="hold">
+                          <p:cTn id="8" fill="hold">
                             <p:stCondLst>
                               <p:cond delay="0"/>
                             </p:stCondLst>
                             <p:childTnLst>
                               <p:par>
-                                <p:cTn id="12" presetID="1" presetClass="entr" fill="hold" nodeType="clickEffect">
+                                <p:cTn id="9" presetID="1" presetClass="entr" fill="hold" nodeType="clickEffect">
                                   <p:stCondLst>
                                     <p:cond delay="0"/>
                                   </p:stCondLst>
                                   <p:childTnLst>
                                     <p:set>
                                       <p:cBhvr additive="repl">
-                                        <p:cTn id="13" dur="1" fill="hold">
+                                        <p:cTn id="10" dur="1" fill="hold">
                                           <p:stCondLst>
                                             <p:cond delay="0"/>
                                           </p:stCondLst>
@@ -21915,26 +21878,26 @@
                     </p:cTn>
                   </p:par>
                   <p:par>
-                    <p:cTn id="14" fill="hold">
+                    <p:cTn id="11" fill="hold">
                       <p:stCondLst>
                         <p:cond delay="indefinite"/>
                       </p:stCondLst>
                       <p:childTnLst>
                         <p:par>
-                          <p:cTn id="15" fill="hold">
+                          <p:cTn id="12" fill="hold">
                             <p:stCondLst>
                               <p:cond delay="0"/>
                             </p:stCondLst>
                             <p:childTnLst>
                               <p:par>
-                                <p:cTn id="16" presetID="1" presetClass="entr" fill="hold" nodeType="clickEffect">
+                                <p:cTn id="13" presetID="1" presetClass="entr" fill="hold" nodeType="clickEffect">
                                   <p:stCondLst>
                                     <p:cond delay="0"/>
                                   </p:stCondLst>
                                   <p:childTnLst>
                                     <p:set>
                                       <p:cBhvr additive="repl">
-                                        <p:cTn id="17" dur="1" fill="hold">
+                                        <p:cTn id="14" dur="1" fill="hold">
                                           <p:stCondLst>
                                             <p:cond delay="0"/>
                                           </p:stCondLst>
@@ -21954,14 +21917,14 @@
                                 </p:cTn>
                               </p:par>
                               <p:par>
-                                <p:cTn id="18" presetID="2" presetClass="entr" presetSubtype="2" fill="hold" nodeType="withEffect">
+                                <p:cTn id="15" presetID="2" presetClass="entr" presetSubtype="2" fill="hold" nodeType="withEffect">
                                   <p:stCondLst>
                                     <p:cond delay="0"/>
                                   </p:stCondLst>
                                   <p:childTnLst>
                                     <p:set>
                                       <p:cBhvr additive="repl">
-                                        <p:cTn id="19" dur="1" fill="hold">
+                                        <p:cTn id="16" dur="1" fill="hold">
                                           <p:stCondLst>
                                             <p:cond delay="0"/>
                                           </p:stCondLst>
@@ -21979,7 +21942,7 @@
                                     </p:set>
                                     <p:anim calcmode="lin" valueType="num">
                                       <p:cBhvr additive="repl">
-                                        <p:cTn id="20" dur="500" fill="hold"/>
+                                        <p:cTn id="17" dur="500" fill="hold"/>
                                         <p:tgtEl>
                                           <p:spTgt spid="17418"/>
                                         </p:tgtEl>
@@ -22002,7 +21965,7 @@
                                     </p:anim>
                                     <p:anim calcmode="lin" valueType="num">
                                       <p:cBhvr additive="repl">
-                                        <p:cTn id="21" dur="500" fill="hold"/>
+                                        <p:cTn id="18" dur="500" fill="hold"/>
                                         <p:tgtEl>
                                           <p:spTgt spid="17418"/>
                                         </p:tgtEl>
@@ -22033,26 +21996,26 @@
                     </p:cTn>
                   </p:par>
                   <p:par>
-                    <p:cTn id="22" fill="hold">
+                    <p:cTn id="19" fill="hold">
                       <p:stCondLst>
                         <p:cond delay="indefinite"/>
                       </p:stCondLst>
                       <p:childTnLst>
                         <p:par>
-                          <p:cTn id="23" fill="hold">
+                          <p:cTn id="20" fill="hold">
                             <p:stCondLst>
                               <p:cond delay="0"/>
                             </p:stCondLst>
                             <p:childTnLst>
                               <p:par>
-                                <p:cTn id="24" presetID="53" presetClass="entr" fill="hold" nodeType="clickEffect">
+                                <p:cTn id="21" presetID="53" presetClass="entr" fill="hold" nodeType="clickEffect">
                                   <p:stCondLst>
                                     <p:cond delay="0"/>
                                   </p:stCondLst>
                                   <p:childTnLst>
                                     <p:set>
                                       <p:cBhvr additive="repl">
-                                        <p:cTn id="25" dur="1" fill="hold">
+                                        <p:cTn id="22" dur="1" fill="hold">
                                           <p:stCondLst>
                                             <p:cond delay="0"/>
                                           </p:stCondLst>
@@ -22070,7 +22033,7 @@
                                     </p:set>
                                     <p:anim calcmode="lin" valueType="num">
                                       <p:cBhvr additive="repl">
-                                        <p:cTn id="26" dur="500" fill="hold"/>
+                                        <p:cTn id="23" dur="500" fill="hold"/>
                                         <p:tgtEl>
                                           <p:spTgt spid="17422"/>
                                         </p:tgtEl>
@@ -22093,7 +22056,7 @@
                                     </p:anim>
                                     <p:anim calcmode="lin" valueType="num">
                                       <p:cBhvr additive="repl">
-                                        <p:cTn id="27" dur="500" fill="hold"/>
+                                        <p:cTn id="24" dur="500" fill="hold"/>
                                         <p:tgtEl>
                                           <p:spTgt spid="17422"/>
                                         </p:tgtEl>
@@ -22116,7 +22079,7 @@
                                     </p:anim>
                                     <p:animEffect transition="in" filter="fade">
                                       <p:cBhvr additive="repl">
-                                        <p:cTn id="28" dur="500"/>
+                                        <p:cTn id="25" dur="500"/>
                                         <p:tgtEl>
                                           <p:spTgt spid="17422"/>
                                         </p:tgtEl>
@@ -22132,26 +22095,26 @@
                     </p:cTn>
                   </p:par>
                   <p:par>
-                    <p:cTn id="29" fill="hold">
+                    <p:cTn id="26" fill="hold">
                       <p:stCondLst>
                         <p:cond delay="indefinite"/>
                       </p:stCondLst>
                       <p:childTnLst>
                         <p:par>
-                          <p:cTn id="30" fill="hold">
+                          <p:cTn id="27" fill="hold">
                             <p:stCondLst>
                               <p:cond delay="0"/>
                             </p:stCondLst>
                             <p:childTnLst>
                               <p:par>
-                                <p:cTn id="31" presetID="53" presetClass="entr" fill="hold" nodeType="clickEffect">
+                                <p:cTn id="28" presetID="53" presetClass="entr" fill="hold" nodeType="clickEffect">
                                   <p:stCondLst>
                                     <p:cond delay="0"/>
                                   </p:stCondLst>
                                   <p:childTnLst>
                                     <p:set>
                                       <p:cBhvr additive="repl">
-                                        <p:cTn id="32" dur="1" fill="hold">
+                                        <p:cTn id="29" dur="1" fill="hold">
                                           <p:stCondLst>
                                             <p:cond delay="0"/>
                                           </p:stCondLst>
@@ -22169,7 +22132,7 @@
                                     </p:set>
                                     <p:anim calcmode="lin" valueType="num">
                                       <p:cBhvr additive="repl">
-                                        <p:cTn id="33" dur="500" fill="hold"/>
+                                        <p:cTn id="30" dur="500" fill="hold"/>
                                         <p:tgtEl>
                                           <p:spTgt spid="17421"/>
                                         </p:tgtEl>
@@ -22192,7 +22155,7 @@
                                     </p:anim>
                                     <p:anim calcmode="lin" valueType="num">
                                       <p:cBhvr additive="repl">
-                                        <p:cTn id="34" dur="500" fill="hold"/>
+                                        <p:cTn id="31" dur="500" fill="hold"/>
                                         <p:tgtEl>
                                           <p:spTgt spid="17421"/>
                                         </p:tgtEl>
@@ -22215,7 +22178,7 @@
                                     </p:anim>
                                     <p:animEffect transition="in" filter="fade">
                                       <p:cBhvr additive="repl">
-                                        <p:cTn id="35" dur="500"/>
+                                        <p:cTn id="32" dur="500"/>
                                         <p:tgtEl>
                                           <p:spTgt spid="17421"/>
                                         </p:tgtEl>
@@ -24320,11 +24283,7 @@
           <a:p>
             <a:r>
               <a:rPr lang="en-US" dirty="0" smtClean="0"/>
-              <a:t> </a:t>
-            </a:r>
-            <a:r>
-              <a:rPr lang="en-US" dirty="0" smtClean="0"/>
-              <a:t>   Crazy(</a:t>
+              <a:t>    Crazy(</a:t>
             </a:r>
             <a:r>
               <a:rPr lang="en-US" dirty="0" err="1" smtClean="0"/>
@@ -24338,11 +24297,7 @@
           <a:p>
             <a:r>
               <a:rPr lang="en-US" dirty="0" smtClean="0"/>
-              <a:t> </a:t>
-            </a:r>
-            <a:r>
-              <a:rPr lang="en-US" dirty="0" smtClean="0"/>
-              <a:t>   </a:t>
+              <a:t>    </a:t>
             </a:r>
             <a:r>
               <a:rPr lang="en-US" dirty="0" err="1" smtClean="0"/>
@@ -24364,11 +24319,7 @@
           <a:p>
             <a:r>
               <a:rPr lang="en-US" dirty="0" smtClean="0"/>
-              <a:t> </a:t>
-            </a:r>
-            <a:r>
-              <a:rPr lang="en-US" dirty="0" smtClean="0"/>
-              <a:t> }</a:t>
+              <a:t>  }</a:t>
             </a:r>
             <a:endParaRPr lang="en-US" dirty="0"/>
           </a:p>
